--- a/控制系统简介.pptx
+++ b/控制系统简介.pptx
@@ -205,7 +205,7 @@
           <a:p>
             <a:fld id="{8D297D57-D56B-4A50-AF41-DBCB17F312AF}" type="datetimeFigureOut">
               <a:rPr lang="zh-CN" altLang="en-US" smtClean="0"/>
-              <a:t>2019/10/29</a:t>
+              <a:t>2019/10/30</a:t>
             </a:fld>
             <a:endParaRPr lang="zh-CN" altLang="en-US"/>
           </a:p>
@@ -1254,7 +1254,7 @@
           <a:p>
             <a:fld id="{1CB8F02B-8F43-4D4B-932B-92A45B618847}" type="datetime1">
               <a:rPr lang="zh-CN" altLang="en-US" smtClean="0"/>
-              <a:t>2019/10/29</a:t>
+              <a:t>2019/10/30</a:t>
             </a:fld>
             <a:endParaRPr lang="zh-CN" altLang="en-US"/>
           </a:p>
@@ -1424,7 +1424,7 @@
           <a:p>
             <a:fld id="{9E3C1B10-0031-4539-B722-BA67617AA5F1}" type="datetime1">
               <a:rPr lang="zh-CN" altLang="en-US" smtClean="0"/>
-              <a:t>2019/10/29</a:t>
+              <a:t>2019/10/30</a:t>
             </a:fld>
             <a:endParaRPr lang="zh-CN" altLang="en-US"/>
           </a:p>
@@ -1604,7 +1604,7 @@
           <a:p>
             <a:fld id="{4386A919-EBB1-4CD4-8535-2ADF59CF6D1F}" type="datetime1">
               <a:rPr lang="zh-CN" altLang="en-US" smtClean="0"/>
-              <a:t>2019/10/29</a:t>
+              <a:t>2019/10/30</a:t>
             </a:fld>
             <a:endParaRPr lang="zh-CN" altLang="en-US"/>
           </a:p>
@@ -1774,7 +1774,7 @@
           <a:p>
             <a:fld id="{7EFCBF40-4689-4C4C-B70E-D8939538CF61}" type="datetime1">
               <a:rPr lang="zh-CN" altLang="en-US" smtClean="0"/>
-              <a:t>2019/10/29</a:t>
+              <a:t>2019/10/30</a:t>
             </a:fld>
             <a:endParaRPr lang="zh-CN" altLang="en-US"/>
           </a:p>
@@ -2018,7 +2018,7 @@
           <a:p>
             <a:fld id="{E16276D4-B7F5-4439-AA5A-7E6205831E93}" type="datetime1">
               <a:rPr lang="zh-CN" altLang="en-US" smtClean="0"/>
-              <a:t>2019/10/29</a:t>
+              <a:t>2019/10/30</a:t>
             </a:fld>
             <a:endParaRPr lang="zh-CN" altLang="en-US"/>
           </a:p>
@@ -2250,7 +2250,7 @@
           <a:p>
             <a:fld id="{A08BE42E-A4E9-40BC-B3CD-EF20CE5719D3}" type="datetime1">
               <a:rPr lang="zh-CN" altLang="en-US" smtClean="0"/>
-              <a:t>2019/10/29</a:t>
+              <a:t>2019/10/30</a:t>
             </a:fld>
             <a:endParaRPr lang="zh-CN" altLang="en-US"/>
           </a:p>
@@ -2617,7 +2617,7 @@
           <a:p>
             <a:fld id="{513975AE-B7D4-4FF6-9669-A9A1E12047AB}" type="datetime1">
               <a:rPr lang="zh-CN" altLang="en-US" smtClean="0"/>
-              <a:t>2019/10/29</a:t>
+              <a:t>2019/10/30</a:t>
             </a:fld>
             <a:endParaRPr lang="zh-CN" altLang="en-US"/>
           </a:p>
@@ -2735,7 +2735,7 @@
           <a:p>
             <a:fld id="{4E025585-3233-44D7-9A73-AEC6FEC5D1DA}" type="datetime1">
               <a:rPr lang="zh-CN" altLang="en-US" smtClean="0"/>
-              <a:t>2019/10/29</a:t>
+              <a:t>2019/10/30</a:t>
             </a:fld>
             <a:endParaRPr lang="zh-CN" altLang="en-US"/>
           </a:p>
@@ -2830,7 +2830,7 @@
           <a:p>
             <a:fld id="{C05706BA-FDBC-483D-BB9F-26766769A37C}" type="datetime1">
               <a:rPr lang="zh-CN" altLang="en-US" smtClean="0"/>
-              <a:t>2019/10/29</a:t>
+              <a:t>2019/10/30</a:t>
             </a:fld>
             <a:endParaRPr lang="zh-CN" altLang="en-US"/>
           </a:p>
@@ -3107,7 +3107,7 @@
           <a:p>
             <a:fld id="{8AB5DF03-0064-4805-B018-392A5669365B}" type="datetime1">
               <a:rPr lang="zh-CN" altLang="en-US" smtClean="0"/>
-              <a:t>2019/10/29</a:t>
+              <a:t>2019/10/30</a:t>
             </a:fld>
             <a:endParaRPr lang="zh-CN" altLang="en-US"/>
           </a:p>
@@ -3364,7 +3364,7 @@
           <a:p>
             <a:fld id="{548BD889-40FD-420F-99C1-4372530E9D04}" type="datetime1">
               <a:rPr lang="zh-CN" altLang="en-US" smtClean="0"/>
-              <a:t>2019/10/29</a:t>
+              <a:t>2019/10/30</a:t>
             </a:fld>
             <a:endParaRPr lang="zh-CN" altLang="en-US"/>
           </a:p>
@@ -3577,7 +3577,7 @@
           <a:p>
             <a:fld id="{EF3AE1DF-43C6-44C5-97CB-AECF411A099E}" type="datetime1">
               <a:rPr lang="zh-CN" altLang="en-US" smtClean="0"/>
-              <a:t>2019/10/29</a:t>
+              <a:t>2019/10/30</a:t>
             </a:fld>
             <a:endParaRPr lang="zh-CN" altLang="en-US"/>
           </a:p>
@@ -7314,7 +7314,7 @@
           <a:graphicData uri="http://schemas.openxmlformats.org/presentationml/2006/ole">
             <mc:AlternateContent xmlns:mc="http://schemas.openxmlformats.org/markup-compatibility/2006">
               <mc:Choice xmlns:v="urn:schemas-microsoft-com:vml" Requires="v">
-                <p:oleObj spid="_x0000_s1524" name="Equation" r:id="rId5" imgW="1688760" imgH="304560" progId="Equation.DSMT4">
+                <p:oleObj spid="_x0000_s1548" name="Equation" r:id="rId5" imgW="1688760" imgH="304560" progId="Equation.DSMT4">
                   <p:embed/>
                 </p:oleObj>
               </mc:Choice>
@@ -7928,7 +7928,7 @@
           <a:graphicData uri="http://schemas.openxmlformats.org/presentationml/2006/ole">
             <mc:AlternateContent xmlns:mc="http://schemas.openxmlformats.org/markup-compatibility/2006">
               <mc:Choice xmlns:v="urn:schemas-microsoft-com:vml" Requires="v">
-                <p:oleObj spid="_x0000_s1525" name="Equation" r:id="rId7" imgW="1638000" imgH="253800" progId="Equation.DSMT4">
+                <p:oleObj spid="_x0000_s1549" name="Equation" r:id="rId7" imgW="1638000" imgH="253800" progId="Equation.DSMT4">
                   <p:embed/>
                 </p:oleObj>
               </mc:Choice>
@@ -7997,7 +7997,7 @@
           <a:graphicData uri="http://schemas.openxmlformats.org/presentationml/2006/ole">
             <mc:AlternateContent xmlns:mc="http://schemas.openxmlformats.org/markup-compatibility/2006">
               <mc:Choice xmlns:v="urn:schemas-microsoft-com:vml" Requires="v">
-                <p:oleObj spid="_x0000_s1526" name="Equation" r:id="rId9" imgW="1726920" imgH="291960" progId="Equation.DSMT4">
+                <p:oleObj spid="_x0000_s1550" name="Equation" r:id="rId9" imgW="1726920" imgH="291960" progId="Equation.DSMT4">
                   <p:embed/>
                 </p:oleObj>
               </mc:Choice>
@@ -8112,7 +8112,7 @@
           <a:graphicData uri="http://schemas.openxmlformats.org/presentationml/2006/ole">
             <mc:AlternateContent xmlns:mc="http://schemas.openxmlformats.org/markup-compatibility/2006">
               <mc:Choice xmlns:v="urn:schemas-microsoft-com:vml" Requires="v">
-                <p:oleObj spid="_x0000_s1527" name="Equation" r:id="rId11" imgW="685800" imgH="291960" progId="Equation.DSMT4">
+                <p:oleObj spid="_x0000_s1551" name="Equation" r:id="rId11" imgW="685800" imgH="291960" progId="Equation.DSMT4">
                   <p:embed/>
                 </p:oleObj>
               </mc:Choice>
@@ -8227,7 +8227,7 @@
           <a:graphicData uri="http://schemas.openxmlformats.org/presentationml/2006/ole">
             <mc:AlternateContent xmlns:mc="http://schemas.openxmlformats.org/markup-compatibility/2006">
               <mc:Choice xmlns:v="urn:schemas-microsoft-com:vml" Requires="v">
-                <p:oleObj spid="_x0000_s1528" name="Equation" r:id="rId13" imgW="1257120" imgH="330120" progId="Equation.DSMT4">
+                <p:oleObj spid="_x0000_s1552" name="Equation" r:id="rId13" imgW="1257120" imgH="330120" progId="Equation.DSMT4">
                   <p:embed/>
                 </p:oleObj>
               </mc:Choice>
@@ -8296,7 +8296,7 @@
           <a:graphicData uri="http://schemas.openxmlformats.org/presentationml/2006/ole">
             <mc:AlternateContent xmlns:mc="http://schemas.openxmlformats.org/markup-compatibility/2006">
               <mc:Choice xmlns:v="urn:schemas-microsoft-com:vml" Requires="v">
-                <p:oleObj spid="_x0000_s1529" name="Equation" r:id="rId15" imgW="2705040" imgH="838080" progId="Equation.DSMT4">
+                <p:oleObj spid="_x0000_s1553" name="Equation" r:id="rId15" imgW="2705040" imgH="838080" progId="Equation.DSMT4">
                   <p:embed/>
                 </p:oleObj>
               </mc:Choice>
@@ -9249,7 +9249,7 @@
           <a:graphicData uri="http://schemas.openxmlformats.org/presentationml/2006/ole">
             <mc:AlternateContent xmlns:mc="http://schemas.openxmlformats.org/markup-compatibility/2006">
               <mc:Choice xmlns:v="urn:schemas-microsoft-com:vml" Requires="v">
-                <p:oleObj spid="_x0000_s2442" name="Equation" r:id="rId4" imgW="6235560" imgH="355320" progId="Equation.DSMT4">
+                <p:oleObj spid="_x0000_s2462" name="Equation" r:id="rId4" imgW="6235560" imgH="355320" progId="Equation.DSMT4">
                   <p:embed/>
                 </p:oleObj>
               </mc:Choice>
@@ -9597,7 +9597,7 @@
           <a:graphicData uri="http://schemas.openxmlformats.org/presentationml/2006/ole">
             <mc:AlternateContent xmlns:mc="http://schemas.openxmlformats.org/markup-compatibility/2006">
               <mc:Choice xmlns:v="urn:schemas-microsoft-com:vml" Requires="v">
-                <p:oleObj spid="_x0000_s2443" name="Equation" r:id="rId6" imgW="6464160" imgH="431640" progId="Equation.DSMT4">
+                <p:oleObj spid="_x0000_s2463" name="Equation" r:id="rId6" imgW="6464160" imgH="431640" progId="Equation.DSMT4">
                   <p:embed/>
                 </p:oleObj>
               </mc:Choice>
@@ -9666,7 +9666,7 @@
           <a:graphicData uri="http://schemas.openxmlformats.org/presentationml/2006/ole">
             <mc:AlternateContent xmlns:mc="http://schemas.openxmlformats.org/markup-compatibility/2006">
               <mc:Choice xmlns:v="urn:schemas-microsoft-com:vml" Requires="v">
-                <p:oleObj spid="_x0000_s2444" name="Equation" r:id="rId8" imgW="4178160" imgH="711000" progId="Equation.DSMT4">
+                <p:oleObj spid="_x0000_s2464" name="Equation" r:id="rId8" imgW="4178160" imgH="711000" progId="Equation.DSMT4">
                   <p:embed/>
                 </p:oleObj>
               </mc:Choice>
@@ -9861,7 +9861,7 @@
           <a:graphicData uri="http://schemas.openxmlformats.org/presentationml/2006/ole">
             <mc:AlternateContent xmlns:mc="http://schemas.openxmlformats.org/markup-compatibility/2006">
               <mc:Choice xmlns:v="urn:schemas-microsoft-com:vml" Requires="v">
-                <p:oleObj spid="_x0000_s2445" name="Equation" r:id="rId10" imgW="1688760" imgH="304560" progId="Equation.DSMT4">
+                <p:oleObj spid="_x0000_s2465" name="Equation" r:id="rId10" imgW="1688760" imgH="304560" progId="Equation.DSMT4">
                   <p:embed/>
                 </p:oleObj>
               </mc:Choice>
@@ -9930,7 +9930,7 @@
           <a:graphicData uri="http://schemas.openxmlformats.org/presentationml/2006/ole">
             <mc:AlternateContent xmlns:mc="http://schemas.openxmlformats.org/markup-compatibility/2006">
               <mc:Choice xmlns:v="urn:schemas-microsoft-com:vml" Requires="v">
-                <p:oleObj spid="_x0000_s2446" name="Equation" r:id="rId12" imgW="2184120" imgH="609480" progId="Equation.DSMT4">
+                <p:oleObj spid="_x0000_s2466" name="Equation" r:id="rId12" imgW="2184120" imgH="609480" progId="Equation.DSMT4">
                   <p:embed/>
                 </p:oleObj>
               </mc:Choice>
@@ -10611,7 +10611,7 @@
           <a:graphicData uri="http://schemas.openxmlformats.org/presentationml/2006/ole">
             <mc:AlternateContent xmlns:mc="http://schemas.openxmlformats.org/markup-compatibility/2006">
               <mc:Choice xmlns:v="urn:schemas-microsoft-com:vml" Requires="v">
-                <p:oleObj spid="_x0000_s3195" name="Equation" r:id="rId6" imgW="787320" imgH="241200" progId="Equation.DSMT4">
+                <p:oleObj spid="_x0000_s3203" name="Equation" r:id="rId6" imgW="787320" imgH="241200" progId="Equation.DSMT4">
                   <p:embed/>
                 </p:oleObj>
               </mc:Choice>
@@ -10680,7 +10680,7 @@
           <a:graphicData uri="http://schemas.openxmlformats.org/presentationml/2006/ole">
             <mc:AlternateContent xmlns:mc="http://schemas.openxmlformats.org/markup-compatibility/2006">
               <mc:Choice xmlns:v="urn:schemas-microsoft-com:vml" Requires="v">
-                <p:oleObj spid="_x0000_s3196" name="Equation" r:id="rId8" imgW="1371600" imgH="609480" progId="Equation.DSMT4">
+                <p:oleObj spid="_x0000_s3204" name="Equation" r:id="rId8" imgW="1371600" imgH="609480" progId="Equation.DSMT4">
                   <p:embed/>
                 </p:oleObj>
               </mc:Choice>
@@ -11935,7 +11935,7 @@
           <a:graphicData uri="http://schemas.openxmlformats.org/presentationml/2006/ole">
             <mc:AlternateContent xmlns:mc="http://schemas.openxmlformats.org/markup-compatibility/2006">
               <mc:Choice xmlns:v="urn:schemas-microsoft-com:vml" Requires="v">
-                <p:oleObj spid="_x0000_s4448" name="Equation" r:id="rId5" imgW="1701720" imgH="253800" progId="Equation.DSMT4">
+                <p:oleObj spid="_x0000_s4476" name="Equation" r:id="rId5" imgW="1701720" imgH="253800" progId="Equation.DSMT4">
                   <p:embed/>
                 </p:oleObj>
               </mc:Choice>
@@ -12050,7 +12050,7 @@
           <a:graphicData uri="http://schemas.openxmlformats.org/presentationml/2006/ole">
             <mc:AlternateContent xmlns:mc="http://schemas.openxmlformats.org/markup-compatibility/2006">
               <mc:Choice xmlns:v="urn:schemas-microsoft-com:vml" Requires="v">
-                <p:oleObj spid="_x0000_s4449" name="Equation" r:id="rId7" imgW="939600" imgH="241200" progId="Equation.DSMT4">
+                <p:oleObj spid="_x0000_s4477" name="Equation" r:id="rId7" imgW="939600" imgH="241200" progId="Equation.DSMT4">
                   <p:embed/>
                 </p:oleObj>
               </mc:Choice>
@@ -12119,7 +12119,7 @@
           <a:graphicData uri="http://schemas.openxmlformats.org/presentationml/2006/ole">
             <mc:AlternateContent xmlns:mc="http://schemas.openxmlformats.org/markup-compatibility/2006">
               <mc:Choice xmlns:v="urn:schemas-microsoft-com:vml" Requires="v">
-                <p:oleObj spid="_x0000_s4450" name="Equation" r:id="rId9" imgW="1041120" imgH="609480" progId="Equation.DSMT4">
+                <p:oleObj spid="_x0000_s4478" name="Equation" r:id="rId9" imgW="1041120" imgH="609480" progId="Equation.DSMT4">
                   <p:embed/>
                 </p:oleObj>
               </mc:Choice>
@@ -12476,7 +12476,7 @@
           <a:graphicData uri="http://schemas.openxmlformats.org/presentationml/2006/ole">
             <mc:AlternateContent xmlns:mc="http://schemas.openxmlformats.org/markup-compatibility/2006">
               <mc:Choice xmlns:v="urn:schemas-microsoft-com:vml" Requires="v">
-                <p:oleObj spid="_x0000_s4451" name="Equation" r:id="rId11" imgW="2869920" imgH="482400" progId="Equation.DSMT4">
+                <p:oleObj spid="_x0000_s4479" name="Equation" r:id="rId11" imgW="2869920" imgH="482400" progId="Equation.DSMT4">
                   <p:embed/>
                 </p:oleObj>
               </mc:Choice>
@@ -12643,7 +12643,7 @@
           <a:graphicData uri="http://schemas.openxmlformats.org/presentationml/2006/ole">
             <mc:AlternateContent xmlns:mc="http://schemas.openxmlformats.org/markup-compatibility/2006">
               <mc:Choice xmlns:v="urn:schemas-microsoft-com:vml" Requires="v">
-                <p:oleObj spid="_x0000_s4452" name="Equation" r:id="rId13" imgW="939600" imgH="241200" progId="Equation.DSMT4">
+                <p:oleObj spid="_x0000_s4480" name="Equation" r:id="rId13" imgW="939600" imgH="241200" progId="Equation.DSMT4">
                   <p:embed/>
                 </p:oleObj>
               </mc:Choice>
@@ -12712,7 +12712,7 @@
           <a:graphicData uri="http://schemas.openxmlformats.org/presentationml/2006/ole">
             <mc:AlternateContent xmlns:mc="http://schemas.openxmlformats.org/markup-compatibility/2006">
               <mc:Choice xmlns:v="urn:schemas-microsoft-com:vml" Requires="v">
-                <p:oleObj spid="_x0000_s4453" name="Equation" r:id="rId14" imgW="1765080" imgH="609480" progId="Equation.DSMT4">
+                <p:oleObj spid="_x0000_s4481" name="Equation" r:id="rId14" imgW="1765080" imgH="609480" progId="Equation.DSMT4">
                   <p:embed/>
                 </p:oleObj>
               </mc:Choice>
@@ -12781,7 +12781,7 @@
           <a:graphicData uri="http://schemas.openxmlformats.org/presentationml/2006/ole">
             <mc:AlternateContent xmlns:mc="http://schemas.openxmlformats.org/markup-compatibility/2006">
               <mc:Choice xmlns:v="urn:schemas-microsoft-com:vml" Requires="v">
-                <p:oleObj spid="_x0000_s4454" name="Equation" r:id="rId16" imgW="1091880" imgH="431640" progId="Equation.DSMT4">
+                <p:oleObj spid="_x0000_s4482" name="Equation" r:id="rId16" imgW="1091880" imgH="431640" progId="Equation.DSMT4">
                   <p:embed/>
                 </p:oleObj>
               </mc:Choice>
@@ -13530,7 +13530,7 @@
         </p:nvSpPr>
         <p:spPr>
           <a:xfrm>
-            <a:off x="197577" y="1265495"/>
+            <a:off x="192451" y="1234438"/>
             <a:ext cx="4634602" cy="400110"/>
           </a:xfrm>
           <a:prstGeom prst="rect">
@@ -13583,7 +13583,7 @@
         </p:blipFill>
         <p:spPr>
           <a:xfrm>
-            <a:off x="187614" y="2455181"/>
+            <a:off x="198293" y="1927935"/>
             <a:ext cx="3753649" cy="1944553"/>
           </a:xfrm>
           <a:prstGeom prst="rect">
@@ -13613,7 +13613,7 @@
         </p:blipFill>
         <p:spPr>
           <a:xfrm>
-            <a:off x="4572000" y="2455181"/>
+            <a:off x="156076" y="4568234"/>
             <a:ext cx="4343726" cy="1944553"/>
           </a:xfrm>
           <a:prstGeom prst="rect">
@@ -13621,96 +13621,6 @@
           </a:prstGeom>
         </p:spPr>
       </p:pic>
-      <p:sp>
-        <p:nvSpPr>
-          <p:cNvPr id="19" name="文本框 18">
-            <a:extLst>
-              <a:ext uri="{FF2B5EF4-FFF2-40B4-BE49-F238E27FC236}">
-                <a16:creationId xmlns:a16="http://schemas.microsoft.com/office/drawing/2014/main" id="{08081B7D-77B3-46C2-B457-DA73884839CF}"/>
-              </a:ext>
-            </a:extLst>
-          </p:cNvPr>
-          <p:cNvSpPr txBox="1"/>
-          <p:nvPr/>
-        </p:nvSpPr>
-        <p:spPr>
-          <a:xfrm>
-            <a:off x="187614" y="1995667"/>
-            <a:ext cx="1043876" cy="400110"/>
-          </a:xfrm>
-          <a:prstGeom prst="rect">
-            <a:avLst/>
-          </a:prstGeom>
-          <a:noFill/>
-        </p:spPr>
-        <p:txBody>
-          <a:bodyPr wrap="none" rtlCol="0">
-            <a:spAutoFit/>
-          </a:bodyPr>
-          <a:lstStyle/>
-          <a:p>
-            <a:pPr marL="342900" indent="-342900">
-              <a:buFont typeface="Wingdings" panose="05000000000000000000" pitchFamily="2" charset="2"/>
-              <a:buChar char="Ø"/>
-            </a:pPr>
-            <a:r>
-              <a:rPr lang="zh-CN" altLang="en-US" sz="2000" dirty="0">
-                <a:solidFill>
-                  <a:srgbClr val="FF0000"/>
-                </a:solidFill>
-                <a:latin typeface="微软雅黑" panose="020B0503020204020204" pitchFamily="34" charset="-122"/>
-                <a:ea typeface="微软雅黑" panose="020B0503020204020204" pitchFamily="34" charset="-122"/>
-              </a:rPr>
-              <a:t>测量</a:t>
-            </a:r>
-          </a:p>
-        </p:txBody>
-      </p:sp>
-      <p:sp>
-        <p:nvSpPr>
-          <p:cNvPr id="21" name="文本框 20">
-            <a:extLst>
-              <a:ext uri="{FF2B5EF4-FFF2-40B4-BE49-F238E27FC236}">
-                <a16:creationId xmlns:a16="http://schemas.microsoft.com/office/drawing/2014/main" id="{0197DD41-40F6-4638-92E3-FF8738BDAE6B}"/>
-              </a:ext>
-            </a:extLst>
-          </p:cNvPr>
-          <p:cNvSpPr txBox="1"/>
-          <p:nvPr/>
-        </p:nvSpPr>
-        <p:spPr>
-          <a:xfrm>
-            <a:off x="4463779" y="1995667"/>
-            <a:ext cx="1043876" cy="400110"/>
-          </a:xfrm>
-          <a:prstGeom prst="rect">
-            <a:avLst/>
-          </a:prstGeom>
-          <a:noFill/>
-        </p:spPr>
-        <p:txBody>
-          <a:bodyPr wrap="none" rtlCol="0">
-            <a:spAutoFit/>
-          </a:bodyPr>
-          <a:lstStyle/>
-          <a:p>
-            <a:pPr marL="342900" indent="-342900">
-              <a:buFont typeface="Wingdings" panose="05000000000000000000" pitchFamily="2" charset="2"/>
-              <a:buChar char="Ø"/>
-            </a:pPr>
-            <a:r>
-              <a:rPr lang="zh-CN" altLang="en-US" sz="2000">
-                <a:solidFill>
-                  <a:srgbClr val="FF0000"/>
-                </a:solidFill>
-                <a:latin typeface="微软雅黑" panose="020B0503020204020204" pitchFamily="34" charset="-122"/>
-                <a:ea typeface="微软雅黑" panose="020B0503020204020204" pitchFamily="34" charset="-122"/>
-              </a:rPr>
-              <a:t>控制</a:t>
-            </a:r>
-          </a:p>
-        </p:txBody>
-      </p:sp>
       <p:sp>
         <p:nvSpPr>
           <p:cNvPr id="9" name="文本框 8">
@@ -13725,8 +13635,8 @@
         </p:nvSpPr>
         <p:spPr>
           <a:xfrm>
-            <a:off x="197577" y="4729796"/>
-            <a:ext cx="3906839" cy="1857753"/>
+            <a:off x="4991453" y="1838516"/>
+            <a:ext cx="3906839" cy="2257862"/>
           </a:xfrm>
           <a:prstGeom prst="rect">
             <a:avLst/>
@@ -13739,19 +13649,45 @@
           </a:bodyPr>
           <a:lstStyle/>
           <a:p>
+            <a:pPr marL="285750" indent="-285750">
+              <a:lnSpc>
+                <a:spcPct val="130000"/>
+              </a:lnSpc>
+              <a:buFont typeface="Wingdings" panose="05000000000000000000" pitchFamily="2" charset="2"/>
+              <a:buChar char="Ø"/>
+            </a:pPr>
+            <a:r>
+              <a:rPr lang="zh-CN" altLang="en-US" sz="2000">
+                <a:solidFill>
+                  <a:srgbClr val="FF0000"/>
+                </a:solidFill>
+                <a:latin typeface="微软雅黑" panose="020B0503020204020204" pitchFamily="34" charset="-122"/>
+                <a:ea typeface="微软雅黑" panose="020B0503020204020204" pitchFamily="34" charset="-122"/>
+              </a:rPr>
+              <a:t>测量</a:t>
+            </a:r>
+            <a:endParaRPr lang="en-US" altLang="zh-CN" sz="2000">
+              <a:solidFill>
+                <a:srgbClr val="FF0000"/>
+              </a:solidFill>
+              <a:latin typeface="微软雅黑" panose="020B0503020204020204" pitchFamily="34" charset="-122"/>
+              <a:ea typeface="微软雅黑" panose="020B0503020204020204" pitchFamily="34" charset="-122"/>
+            </a:endParaRPr>
+          </a:p>
+          <a:p>
             <a:pPr>
               <a:lnSpc>
                 <a:spcPct val="130000"/>
               </a:lnSpc>
             </a:pPr>
             <a:r>
-              <a:rPr lang="zh-CN" altLang="en-US" dirty="0">
+              <a:rPr lang="zh-CN" altLang="en-US">
                 <a:latin typeface="微软雅黑" panose="020B0503020204020204" pitchFamily="34" charset="-122"/>
                 <a:ea typeface="微软雅黑" panose="020B0503020204020204" pitchFamily="34" charset="-122"/>
               </a:rPr>
               <a:t>实例：静电加速度计</a:t>
             </a:r>
-            <a:endParaRPr lang="en-US" altLang="zh-CN" dirty="0">
+            <a:endParaRPr lang="en-US" altLang="zh-CN">
               <a:latin typeface="微软雅黑" panose="020B0503020204020204" pitchFamily="34" charset="-122"/>
               <a:ea typeface="微软雅黑" panose="020B0503020204020204" pitchFamily="34" charset="-122"/>
             </a:endParaRPr>
@@ -13763,27 +13699,27 @@
               </a:lnSpc>
             </a:pPr>
             <a:r>
-              <a:rPr lang="zh-CN" altLang="en-US" dirty="0">
+              <a:rPr lang="zh-CN" altLang="en-US">
                 <a:latin typeface="微软雅黑" panose="020B0503020204020204" pitchFamily="34" charset="-122"/>
                 <a:ea typeface="微软雅黑" panose="020B0503020204020204" pitchFamily="34" charset="-122"/>
               </a:rPr>
               <a:t>优点：</a:t>
             </a:r>
             <a:r>
-              <a:rPr lang="en-US" altLang="zh-CN" dirty="0">
+              <a:rPr lang="en-US" altLang="zh-CN">
                 <a:latin typeface="微软雅黑" panose="020B0503020204020204" pitchFamily="34" charset="-122"/>
                 <a:ea typeface="微软雅黑" panose="020B0503020204020204" pitchFamily="34" charset="-122"/>
               </a:rPr>
               <a:t>1. </a:t>
             </a:r>
             <a:r>
-              <a:rPr lang="zh-CN" altLang="en-US" dirty="0">
+              <a:rPr lang="zh-CN" altLang="en-US">
                 <a:latin typeface="微软雅黑" panose="020B0503020204020204" pitchFamily="34" charset="-122"/>
                 <a:ea typeface="微软雅黑" panose="020B0503020204020204" pitchFamily="34" charset="-122"/>
               </a:rPr>
               <a:t>克服开环系统不稳定因素；</a:t>
             </a:r>
-            <a:endParaRPr lang="en-US" altLang="zh-CN" dirty="0">
+            <a:endParaRPr lang="en-US" altLang="zh-CN">
               <a:latin typeface="微软雅黑" panose="020B0503020204020204" pitchFamily="34" charset="-122"/>
               <a:ea typeface="微软雅黑" panose="020B0503020204020204" pitchFamily="34" charset="-122"/>
             </a:endParaRPr>
@@ -13795,20 +13731,20 @@
               </a:lnSpc>
             </a:pPr>
             <a:r>
-              <a:rPr lang="en-US" altLang="zh-CN" dirty="0">
+              <a:rPr lang="en-US" altLang="zh-CN">
                 <a:latin typeface="微软雅黑" panose="020B0503020204020204" pitchFamily="34" charset="-122"/>
                 <a:ea typeface="微软雅黑" panose="020B0503020204020204" pitchFamily="34" charset="-122"/>
               </a:rPr>
               <a:t>          2. </a:t>
             </a:r>
             <a:r>
-              <a:rPr lang="zh-CN" altLang="en-US" dirty="0">
+              <a:rPr lang="zh-CN" altLang="en-US">
                 <a:latin typeface="微软雅黑" panose="020B0503020204020204" pitchFamily="34" charset="-122"/>
                 <a:ea typeface="微软雅黑" panose="020B0503020204020204" pitchFamily="34" charset="-122"/>
               </a:rPr>
               <a:t>减小开环系统非线性影响。</a:t>
             </a:r>
-            <a:endParaRPr lang="en-US" altLang="zh-CN" dirty="0">
+            <a:endParaRPr lang="en-US" altLang="zh-CN">
               <a:latin typeface="微软雅黑" panose="020B0503020204020204" pitchFamily="34" charset="-122"/>
               <a:ea typeface="微软雅黑" panose="020B0503020204020204" pitchFamily="34" charset="-122"/>
             </a:endParaRPr>
@@ -13820,27 +13756,27 @@
               </a:lnSpc>
             </a:pPr>
             <a:r>
-              <a:rPr lang="zh-CN" altLang="en-US" dirty="0">
+              <a:rPr lang="zh-CN" altLang="en-US">
                 <a:latin typeface="微软雅黑" panose="020B0503020204020204" pitchFamily="34" charset="-122"/>
                 <a:ea typeface="微软雅黑" panose="020B0503020204020204" pitchFamily="34" charset="-122"/>
               </a:rPr>
               <a:t>缺点：</a:t>
             </a:r>
             <a:r>
-              <a:rPr lang="en-US" altLang="zh-CN" dirty="0">
+              <a:rPr lang="en-US" altLang="zh-CN">
                 <a:latin typeface="微软雅黑" panose="020B0503020204020204" pitchFamily="34" charset="-122"/>
                 <a:ea typeface="微软雅黑" panose="020B0503020204020204" pitchFamily="34" charset="-122"/>
               </a:rPr>
               <a:t>1. </a:t>
             </a:r>
             <a:r>
-              <a:rPr lang="zh-CN" altLang="en-US" dirty="0">
+              <a:rPr lang="zh-CN" altLang="en-US">
                 <a:latin typeface="微软雅黑" panose="020B0503020204020204" pitchFamily="34" charset="-122"/>
                 <a:ea typeface="微软雅黑" panose="020B0503020204020204" pitchFamily="34" charset="-122"/>
               </a:rPr>
               <a:t>结构复杂；</a:t>
             </a:r>
-            <a:endParaRPr lang="en-US" altLang="zh-CN" dirty="0">
+            <a:endParaRPr lang="en-US" altLang="zh-CN">
               <a:latin typeface="微软雅黑" panose="020B0503020204020204" pitchFamily="34" charset="-122"/>
               <a:ea typeface="微软雅黑" panose="020B0503020204020204" pitchFamily="34" charset="-122"/>
             </a:endParaRPr>
@@ -13852,14 +13788,14 @@
               </a:lnSpc>
             </a:pPr>
             <a:r>
-              <a:rPr lang="en-US" altLang="zh-CN" dirty="0">
+              <a:rPr lang="en-US" altLang="zh-CN">
                 <a:latin typeface="微软雅黑" panose="020B0503020204020204" pitchFamily="34" charset="-122"/>
                 <a:ea typeface="微软雅黑" panose="020B0503020204020204" pitchFamily="34" charset="-122"/>
               </a:rPr>
               <a:t>          2. </a:t>
             </a:r>
             <a:r>
-              <a:rPr lang="zh-CN" altLang="en-US" dirty="0">
+              <a:rPr lang="zh-CN" altLang="en-US">
                 <a:latin typeface="微软雅黑" panose="020B0503020204020204" pitchFamily="34" charset="-122"/>
                 <a:ea typeface="微软雅黑" panose="020B0503020204020204" pitchFamily="34" charset="-122"/>
               </a:rPr>
@@ -13874,10 +13810,10 @@
       </p:sp>
       <p:sp>
         <p:nvSpPr>
-          <p:cNvPr id="10" name="文本框 9">
+          <p:cNvPr id="14" name="文本框 13">
             <a:extLst>
               <a:ext uri="{FF2B5EF4-FFF2-40B4-BE49-F238E27FC236}">
-                <a16:creationId xmlns:a16="http://schemas.microsoft.com/office/drawing/2014/main" id="{6A5B3630-7AEC-4196-B563-49E526C305A0}"/>
+                <a16:creationId xmlns:a16="http://schemas.microsoft.com/office/drawing/2014/main" id="{CBBB9242-A86F-45FD-BA30-F260AD0EA407}"/>
               </a:ext>
             </a:extLst>
           </p:cNvPr>
@@ -13886,8 +13822,8 @@
         </p:nvSpPr>
         <p:spPr>
           <a:xfrm>
-            <a:off x="4790443" y="4729796"/>
-            <a:ext cx="877163" cy="417358"/>
+            <a:off x="4991453" y="4568234"/>
+            <a:ext cx="2980303" cy="1897764"/>
           </a:xfrm>
           <a:prstGeom prst="rect">
             <a:avLst/>
@@ -13900,108 +13836,123 @@
           </a:bodyPr>
           <a:lstStyle/>
           <a:p>
+            <a:pPr marL="342900" indent="-342900">
+              <a:lnSpc>
+                <a:spcPct val="130000"/>
+              </a:lnSpc>
+              <a:buFont typeface="Wingdings" panose="05000000000000000000" pitchFamily="2" charset="2"/>
+              <a:buChar char="Ø"/>
+            </a:pPr>
+            <a:r>
+              <a:rPr lang="zh-CN" altLang="en-US" sz="2000">
+                <a:solidFill>
+                  <a:srgbClr val="FF0000"/>
+                </a:solidFill>
+                <a:latin typeface="微软雅黑" panose="020B0503020204020204" pitchFamily="34" charset="-122"/>
+                <a:ea typeface="微软雅黑" panose="020B0503020204020204" pitchFamily="34" charset="-122"/>
+              </a:rPr>
+              <a:t>调制</a:t>
+            </a:r>
+            <a:endParaRPr lang="en-US" altLang="zh-CN" sz="2000">
+              <a:solidFill>
+                <a:srgbClr val="FF0000"/>
+              </a:solidFill>
+              <a:latin typeface="微软雅黑" panose="020B0503020204020204" pitchFamily="34" charset="-122"/>
+              <a:ea typeface="微软雅黑" panose="020B0503020204020204" pitchFamily="34" charset="-122"/>
+            </a:endParaRPr>
+          </a:p>
+          <a:p>
             <a:pPr>
               <a:lnSpc>
                 <a:spcPct val="130000"/>
               </a:lnSpc>
             </a:pPr>
             <a:r>
-              <a:rPr lang="zh-CN" altLang="en-US" dirty="0">
+              <a:rPr lang="zh-CN" altLang="en-US">
                 <a:latin typeface="微软雅黑" panose="020B0503020204020204" pitchFamily="34" charset="-122"/>
                 <a:ea typeface="微软雅黑" panose="020B0503020204020204" pitchFamily="34" charset="-122"/>
               </a:rPr>
-              <a:t>应用：</a:t>
+              <a:t>实例：空调</a:t>
+            </a:r>
+            <a:endParaRPr lang="en-US" altLang="zh-CN">
+              <a:latin typeface="微软雅黑" panose="020B0503020204020204" pitchFamily="34" charset="-122"/>
+              <a:ea typeface="微软雅黑" panose="020B0503020204020204" pitchFamily="34" charset="-122"/>
+            </a:endParaRPr>
+          </a:p>
+          <a:p>
+            <a:pPr>
+              <a:lnSpc>
+                <a:spcPct val="130000"/>
+              </a:lnSpc>
+            </a:pPr>
+            <a:r>
+              <a:rPr lang="zh-CN" altLang="en-US">
+                <a:latin typeface="微软雅黑" panose="020B0503020204020204" pitchFamily="34" charset="-122"/>
+                <a:ea typeface="微软雅黑" panose="020B0503020204020204" pitchFamily="34" charset="-122"/>
+              </a:rPr>
+              <a:t>优点：克服外界扰动。</a:t>
+            </a:r>
+            <a:endParaRPr lang="en-US" altLang="zh-CN">
+              <a:latin typeface="微软雅黑" panose="020B0503020204020204" pitchFamily="34" charset="-122"/>
+              <a:ea typeface="微软雅黑" panose="020B0503020204020204" pitchFamily="34" charset="-122"/>
+            </a:endParaRPr>
+          </a:p>
+          <a:p>
+            <a:pPr>
+              <a:lnSpc>
+                <a:spcPct val="130000"/>
+              </a:lnSpc>
+            </a:pPr>
+            <a:r>
+              <a:rPr lang="zh-CN" altLang="en-US">
+                <a:latin typeface="微软雅黑" panose="020B0503020204020204" pitchFamily="34" charset="-122"/>
+                <a:ea typeface="微软雅黑" panose="020B0503020204020204" pitchFamily="34" charset="-122"/>
+              </a:rPr>
+              <a:t>缺点：</a:t>
+            </a:r>
+            <a:r>
+              <a:rPr lang="en-US" altLang="zh-CN">
+                <a:latin typeface="微软雅黑" panose="020B0503020204020204" pitchFamily="34" charset="-122"/>
+                <a:ea typeface="微软雅黑" panose="020B0503020204020204" pitchFamily="34" charset="-122"/>
+              </a:rPr>
+              <a:t>1. </a:t>
+            </a:r>
+            <a:r>
+              <a:rPr lang="zh-CN" altLang="en-US">
+                <a:latin typeface="微软雅黑" panose="020B0503020204020204" pitchFamily="34" charset="-122"/>
+                <a:ea typeface="微软雅黑" panose="020B0503020204020204" pitchFamily="34" charset="-122"/>
+              </a:rPr>
+              <a:t>结构复杂；</a:t>
+            </a:r>
+            <a:endParaRPr lang="en-US" altLang="zh-CN">
+              <a:latin typeface="微软雅黑" panose="020B0503020204020204" pitchFamily="34" charset="-122"/>
+              <a:ea typeface="微软雅黑" panose="020B0503020204020204" pitchFamily="34" charset="-122"/>
+            </a:endParaRPr>
+          </a:p>
+          <a:p>
+            <a:pPr>
+              <a:lnSpc>
+                <a:spcPct val="130000"/>
+              </a:lnSpc>
+            </a:pPr>
+            <a:r>
+              <a:rPr lang="en-US" altLang="zh-CN">
+                <a:latin typeface="微软雅黑" panose="020B0503020204020204" pitchFamily="34" charset="-122"/>
+                <a:ea typeface="微软雅黑" panose="020B0503020204020204" pitchFamily="34" charset="-122"/>
+              </a:rPr>
+              <a:t>          2. </a:t>
+            </a:r>
+            <a:r>
+              <a:rPr lang="zh-CN" altLang="en-US">
+                <a:latin typeface="微软雅黑" panose="020B0503020204020204" pitchFamily="34" charset="-122"/>
+                <a:ea typeface="微软雅黑" panose="020B0503020204020204" pitchFamily="34" charset="-122"/>
+              </a:rPr>
+              <a:t>对控制器要求高。</a:t>
             </a:r>
             <a:endParaRPr lang="en-US" altLang="zh-CN" dirty="0">
               <a:latin typeface="微软雅黑" panose="020B0503020204020204" pitchFamily="34" charset="-122"/>
               <a:ea typeface="微软雅黑" panose="020B0503020204020204" pitchFamily="34" charset="-122"/>
             </a:endParaRPr>
-          </a:p>
-        </p:txBody>
-      </p:sp>
-      <p:pic>
-        <p:nvPicPr>
-          <p:cNvPr id="3" name="图片 2">
-            <a:extLst>
-              <a:ext uri="{FF2B5EF4-FFF2-40B4-BE49-F238E27FC236}">
-                <a16:creationId xmlns:a16="http://schemas.microsoft.com/office/drawing/2014/main" id="{7662C6B8-82CF-4920-B517-FC273B025BB9}"/>
-              </a:ext>
-            </a:extLst>
-          </p:cNvPr>
-          <p:cNvPicPr>
-            <a:picLocks noChangeAspect="1"/>
-          </p:cNvPicPr>
-          <p:nvPr/>
-        </p:nvPicPr>
-        <p:blipFill>
-          <a:blip r:embed="rId5"/>
-          <a:stretch>
-            <a:fillRect/>
-          </a:stretch>
-        </p:blipFill>
-        <p:spPr>
-          <a:xfrm>
-            <a:off x="5667606" y="4857529"/>
-            <a:ext cx="2704429" cy="1734290"/>
-          </a:xfrm>
-          <a:prstGeom prst="rect">
-            <a:avLst/>
-          </a:prstGeom>
-        </p:spPr>
-      </p:pic>
-      <p:sp>
-        <p:nvSpPr>
-          <p:cNvPr id="12" name="对话气泡: 圆角矩形 11">
-            <a:extLst>
-              <a:ext uri="{FF2B5EF4-FFF2-40B4-BE49-F238E27FC236}">
-                <a16:creationId xmlns:a16="http://schemas.microsoft.com/office/drawing/2014/main" id="{2E183A8A-1A6E-4C61-B2B9-030D909FCCC3}"/>
-              </a:ext>
-            </a:extLst>
-          </p:cNvPr>
-          <p:cNvSpPr/>
-          <p:nvPr/>
-        </p:nvSpPr>
-        <p:spPr>
-          <a:xfrm>
-            <a:off x="6400680" y="5658672"/>
-            <a:ext cx="911449" cy="410064"/>
-          </a:xfrm>
-          <a:prstGeom prst="wedgeRoundRectCallout">
-            <a:avLst>
-              <a:gd name="adj1" fmla="val 74999"/>
-              <a:gd name="adj2" fmla="val -74709"/>
-              <a:gd name="adj3" fmla="val 16667"/>
-            </a:avLst>
-          </a:prstGeom>
-        </p:spPr>
-        <p:style>
-          <a:lnRef idx="2">
-            <a:schemeClr val="accent1">
-              <a:shade val="50000"/>
-            </a:schemeClr>
-          </a:lnRef>
-          <a:fillRef idx="1">
-            <a:schemeClr val="accent1"/>
-          </a:fillRef>
-          <a:effectRef idx="0">
-            <a:schemeClr val="accent1"/>
-          </a:effectRef>
-          <a:fontRef idx="minor">
-            <a:schemeClr val="lt1"/>
-          </a:fontRef>
-        </p:style>
-        <p:txBody>
-          <a:bodyPr rtlCol="0" anchor="ctr"/>
-          <a:lstStyle/>
-          <a:p>
-            <a:pPr algn="ctr"/>
-            <a:r>
-              <a:rPr lang="zh-CN" altLang="en-US" sz="1600" dirty="0">
-                <a:latin typeface="微软雅黑" panose="020B0503020204020204" pitchFamily="34" charset="-122"/>
-                <a:ea typeface="微软雅黑" panose="020B0503020204020204" pitchFamily="34" charset="-122"/>
-              </a:rPr>
-              <a:t>开空调</a:t>
-            </a:r>
           </a:p>
         </p:txBody>
       </p:sp>
@@ -14062,33 +14013,6 @@
                                   </p:childTnLst>
                                 </p:cTn>
                               </p:par>
-                              <p:par>
-                                <p:cTn id="7" presetID="1" presetClass="entr" presetSubtype="0" fill="hold" grpId="0" nodeType="withEffect">
-                                  <p:stCondLst>
-                                    <p:cond delay="0"/>
-                                  </p:stCondLst>
-                                  <p:childTnLst>
-                                    <p:set>
-                                      <p:cBhvr>
-                                        <p:cTn id="8" dur="1" fill="hold">
-                                          <p:stCondLst>
-                                            <p:cond delay="0"/>
-                                          </p:stCondLst>
-                                        </p:cTn>
-                                        <p:tgtEl>
-                                          <p:spTgt spid="19"/>
-                                        </p:tgtEl>
-                                        <p:attrNameLst>
-                                          <p:attrName>style.visibility</p:attrName>
-                                        </p:attrNameLst>
-                                      </p:cBhvr>
-                                      <p:to>
-                                        <p:strVal val="visible"/>
-                                      </p:to>
-                                    </p:set>
-                                  </p:childTnLst>
-                                </p:cTn>
-                              </p:par>
                             </p:childTnLst>
                           </p:cTn>
                         </p:par>
@@ -14096,26 +14020,26 @@
                     </p:cTn>
                   </p:par>
                   <p:par>
-                    <p:cTn id="9" fill="hold">
+                    <p:cTn id="7" fill="hold">
                       <p:stCondLst>
                         <p:cond delay="indefinite"/>
                       </p:stCondLst>
                       <p:childTnLst>
                         <p:par>
-                          <p:cTn id="10" fill="hold">
+                          <p:cTn id="8" fill="hold">
                             <p:stCondLst>
                               <p:cond delay="0"/>
                             </p:stCondLst>
                             <p:childTnLst>
                               <p:par>
-                                <p:cTn id="11" presetID="1" presetClass="entr" presetSubtype="0" fill="hold" grpId="0" nodeType="clickEffect">
+                                <p:cTn id="9" presetID="1" presetClass="entr" presetSubtype="0" fill="hold" grpId="0" nodeType="clickEffect">
                                   <p:stCondLst>
                                     <p:cond delay="0"/>
                                   </p:stCondLst>
                                   <p:childTnLst>
                                     <p:set>
                                       <p:cBhvr>
-                                        <p:cTn id="12" dur="1" fill="hold">
+                                        <p:cTn id="10" dur="1" fill="hold">
                                           <p:stCondLst>
                                             <p:cond delay="0"/>
                                           </p:stCondLst>
@@ -14141,59 +14065,32 @@
                     </p:cTn>
                   </p:par>
                   <p:par>
-                    <p:cTn id="13" fill="hold">
+                    <p:cTn id="11" fill="hold">
                       <p:stCondLst>
                         <p:cond delay="indefinite"/>
                       </p:stCondLst>
                       <p:childTnLst>
                         <p:par>
-                          <p:cTn id="14" fill="hold">
+                          <p:cTn id="12" fill="hold">
                             <p:stCondLst>
                               <p:cond delay="0"/>
                             </p:stCondLst>
                             <p:childTnLst>
                               <p:par>
-                                <p:cTn id="15" presetID="1" presetClass="entr" presetSubtype="0" fill="hold" nodeType="clickEffect">
+                                <p:cTn id="13" presetID="1" presetClass="entr" presetSubtype="0" fill="hold" nodeType="clickEffect">
                                   <p:stCondLst>
                                     <p:cond delay="0"/>
                                   </p:stCondLst>
                                   <p:childTnLst>
                                     <p:set>
                                       <p:cBhvr>
-                                        <p:cTn id="16" dur="1" fill="hold">
+                                        <p:cTn id="14" dur="1" fill="hold">
                                           <p:stCondLst>
                                             <p:cond delay="0"/>
                                           </p:stCondLst>
                                         </p:cTn>
                                         <p:tgtEl>
                                           <p:spTgt spid="18"/>
-                                        </p:tgtEl>
-                                        <p:attrNameLst>
-                                          <p:attrName>style.visibility</p:attrName>
-                                        </p:attrNameLst>
-                                      </p:cBhvr>
-                                      <p:to>
-                                        <p:strVal val="visible"/>
-                                      </p:to>
-                                    </p:set>
-                                  </p:childTnLst>
-                                </p:cTn>
-                              </p:par>
-                              <p:par>
-                                <p:cTn id="17" presetID="1" presetClass="entr" presetSubtype="0" fill="hold" grpId="0" nodeType="withEffect">
-                                  <p:stCondLst>
-                                    <p:cond delay="0"/>
-                                  </p:stCondLst>
-                                  <p:childTnLst>
-                                    <p:set>
-                                      <p:cBhvr>
-                                        <p:cTn id="18" dur="1" fill="hold">
-                                          <p:stCondLst>
-                                            <p:cond delay="0"/>
-                                          </p:stCondLst>
-                                        </p:cTn>
-                                        <p:tgtEl>
-                                          <p:spTgt spid="21"/>
                                         </p:tgtEl>
                                         <p:attrNameLst>
                                           <p:attrName>style.visibility</p:attrName>
@@ -14213,86 +14110,32 @@
                     </p:cTn>
                   </p:par>
                   <p:par>
-                    <p:cTn id="19" fill="hold">
+                    <p:cTn id="15" fill="hold">
                       <p:stCondLst>
                         <p:cond delay="indefinite"/>
                       </p:stCondLst>
                       <p:childTnLst>
                         <p:par>
-                          <p:cTn id="20" fill="hold">
+                          <p:cTn id="16" fill="hold">
                             <p:stCondLst>
                               <p:cond delay="0"/>
                             </p:stCondLst>
                             <p:childTnLst>
                               <p:par>
-                                <p:cTn id="21" presetID="1" presetClass="entr" presetSubtype="0" fill="hold" grpId="0" nodeType="clickEffect">
+                                <p:cTn id="17" presetID="1" presetClass="entr" presetSubtype="0" fill="hold" grpId="0" nodeType="clickEffect">
                                   <p:stCondLst>
                                     <p:cond delay="0"/>
                                   </p:stCondLst>
                                   <p:childTnLst>
                                     <p:set>
                                       <p:cBhvr>
-                                        <p:cTn id="22" dur="1" fill="hold">
+                                        <p:cTn id="18" dur="1" fill="hold">
                                           <p:stCondLst>
                                             <p:cond delay="0"/>
                                           </p:stCondLst>
                                         </p:cTn>
                                         <p:tgtEl>
-                                          <p:spTgt spid="10"/>
-                                        </p:tgtEl>
-                                        <p:attrNameLst>
-                                          <p:attrName>style.visibility</p:attrName>
-                                        </p:attrNameLst>
-                                      </p:cBhvr>
-                                      <p:to>
-                                        <p:strVal val="visible"/>
-                                      </p:to>
-                                    </p:set>
-                                  </p:childTnLst>
-                                </p:cTn>
-                              </p:par>
-                              <p:par>
-                                <p:cTn id="23" presetID="1" presetClass="entr" presetSubtype="0" fill="hold" nodeType="withEffect">
-                                  <p:stCondLst>
-                                    <p:cond delay="0"/>
-                                  </p:stCondLst>
-                                  <p:childTnLst>
-                                    <p:set>
-                                      <p:cBhvr>
-                                        <p:cTn id="24" dur="1" fill="hold">
-                                          <p:stCondLst>
-                                            <p:cond delay="0"/>
-                                          </p:stCondLst>
-                                        </p:cTn>
-                                        <p:tgtEl>
-                                          <p:spTgt spid="3"/>
-                                        </p:tgtEl>
-                                        <p:attrNameLst>
-                                          <p:attrName>style.visibility</p:attrName>
-                                        </p:attrNameLst>
-                                      </p:cBhvr>
-                                      <p:to>
-                                        <p:strVal val="visible"/>
-                                      </p:to>
-                                    </p:set>
-                                  </p:childTnLst>
-                                </p:cTn>
-                              </p:par>
-                              <p:par>
-                                <p:cTn id="25" presetID="1" presetClass="entr" presetSubtype="0" fill="hold" grpId="0" nodeType="withEffect">
-                                  <p:stCondLst>
-                                    <p:cond delay="0"/>
-                                  </p:stCondLst>
-                                  <p:childTnLst>
-                                    <p:set>
-                                      <p:cBhvr>
-                                        <p:cTn id="26" dur="1" fill="hold">
-                                          <p:stCondLst>
-                                            <p:cond delay="0"/>
-                                          </p:stCondLst>
-                                        </p:cTn>
-                                        <p:tgtEl>
-                                          <p:spTgt spid="12"/>
+                                          <p:spTgt spid="14"/>
                                         </p:tgtEl>
                                         <p:attrNameLst>
                                           <p:attrName>style.visibility</p:attrName>
@@ -14333,11 +14176,8 @@
       </p:par>
     </p:tnLst>
     <p:bldLst>
-      <p:bldP spid="19" grpId="0"/>
-      <p:bldP spid="21" grpId="0"/>
       <p:bldP spid="9" grpId="0"/>
-      <p:bldP spid="10" grpId="0"/>
-      <p:bldP spid="12" grpId="0" animBg="1"/>
+      <p:bldP spid="14" grpId="0"/>
     </p:bldLst>
   </p:timing>
 </p:sld>
